--- a/assets/projects/attrition/Employee-Attrition.pptx
+++ b/assets/projects/attrition/Employee-Attrition.pptx
@@ -267,7 +267,7 @@
           <a:p>
             <a:fld id="{EED1C14C-A143-42F5-B247-D0E800131009}" type="datetimeFigureOut">
               <a:rPr lang="en-US" smtClean="0"/>
-              <a:t>3/14/24</a:t>
+              <a:t>3/19/24</a:t>
             </a:fld>
             <a:endParaRPr lang="en-US"/>
           </a:p>
@@ -465,7 +465,7 @@
           <a:p>
             <a:fld id="{EED1C14C-A143-42F5-B247-D0E800131009}" type="datetimeFigureOut">
               <a:rPr lang="en-US" smtClean="0"/>
-              <a:t>3/14/24</a:t>
+              <a:t>3/19/24</a:t>
             </a:fld>
             <a:endParaRPr lang="en-US"/>
           </a:p>
@@ -673,7 +673,7 @@
           <a:p>
             <a:fld id="{EED1C14C-A143-42F5-B247-D0E800131009}" type="datetimeFigureOut">
               <a:rPr lang="en-US" smtClean="0"/>
-              <a:t>3/14/24</a:t>
+              <a:t>3/19/24</a:t>
             </a:fld>
             <a:endParaRPr lang="en-US"/>
           </a:p>
@@ -871,7 +871,7 @@
           <a:p>
             <a:fld id="{EED1C14C-A143-42F5-B247-D0E800131009}" type="datetimeFigureOut">
               <a:rPr lang="en-US" smtClean="0"/>
-              <a:t>3/14/24</a:t>
+              <a:t>3/19/24</a:t>
             </a:fld>
             <a:endParaRPr lang="en-US"/>
           </a:p>
@@ -1146,7 +1146,7 @@
           <a:p>
             <a:fld id="{EED1C14C-A143-42F5-B247-D0E800131009}" type="datetimeFigureOut">
               <a:rPr lang="en-US" smtClean="0"/>
-              <a:t>3/14/24</a:t>
+              <a:t>3/19/24</a:t>
             </a:fld>
             <a:endParaRPr lang="en-US"/>
           </a:p>
@@ -1411,7 +1411,7 @@
           <a:p>
             <a:fld id="{EED1C14C-A143-42F5-B247-D0E800131009}" type="datetimeFigureOut">
               <a:rPr lang="en-US" smtClean="0"/>
-              <a:t>3/14/24</a:t>
+              <a:t>3/19/24</a:t>
             </a:fld>
             <a:endParaRPr lang="en-US"/>
           </a:p>
@@ -1823,7 +1823,7 @@
           <a:p>
             <a:fld id="{EED1C14C-A143-42F5-B247-D0E800131009}" type="datetimeFigureOut">
               <a:rPr lang="en-US" smtClean="0"/>
-              <a:t>3/14/24</a:t>
+              <a:t>3/19/24</a:t>
             </a:fld>
             <a:endParaRPr lang="en-US"/>
           </a:p>
@@ -1964,7 +1964,7 @@
           <a:p>
             <a:fld id="{EED1C14C-A143-42F5-B247-D0E800131009}" type="datetimeFigureOut">
               <a:rPr lang="en-US" smtClean="0"/>
-              <a:t>3/14/24</a:t>
+              <a:t>3/19/24</a:t>
             </a:fld>
             <a:endParaRPr lang="en-US"/>
           </a:p>
@@ -2077,7 +2077,7 @@
           <a:p>
             <a:fld id="{EED1C14C-A143-42F5-B247-D0E800131009}" type="datetimeFigureOut">
               <a:rPr lang="en-US" smtClean="0"/>
-              <a:t>3/14/24</a:t>
+              <a:t>3/19/24</a:t>
             </a:fld>
             <a:endParaRPr lang="en-US"/>
           </a:p>
@@ -2388,7 +2388,7 @@
           <a:p>
             <a:fld id="{EED1C14C-A143-42F5-B247-D0E800131009}" type="datetimeFigureOut">
               <a:rPr lang="en-US" smtClean="0"/>
-              <a:t>3/14/24</a:t>
+              <a:t>3/19/24</a:t>
             </a:fld>
             <a:endParaRPr lang="en-US"/>
           </a:p>
@@ -2676,7 +2676,7 @@
           <a:p>
             <a:fld id="{EED1C14C-A143-42F5-B247-D0E800131009}" type="datetimeFigureOut">
               <a:rPr lang="en-US" smtClean="0"/>
-              <a:t>3/14/24</a:t>
+              <a:t>3/19/24</a:t>
             </a:fld>
             <a:endParaRPr lang="en-US"/>
           </a:p>
@@ -2917,7 +2917,7 @@
           <a:p>
             <a:fld id="{EED1C14C-A143-42F5-B247-D0E800131009}" type="datetimeFigureOut">
               <a:rPr lang="en-US" smtClean="0"/>
-              <a:t>3/14/24</a:t>
+              <a:t>3/19/24</a:t>
             </a:fld>
             <a:endParaRPr lang="en-US"/>
           </a:p>
@@ -3352,12 +3352,23 @@
         </p:nvSpPr>
         <p:spPr/>
         <p:txBody>
-          <a:bodyPr/>
-          <a:lstStyle/>
-          <a:p>
-            <a:r>
-              <a:t>Johnson_Assignment</a:t>
-            </a:r>
+          <a:bodyPr>
+            <a:normAutofit/>
+          </a:bodyPr>
+          <a:lstStyle/>
+          <a:p>
+            <a:r>
+              <a:rPr lang="en-US" dirty="0"/>
+              <a:t>Employee Attrition</a:t>
+            </a:r>
+            <a:br>
+              <a:rPr lang="en-US" dirty="0"/>
+            </a:br>
+            <a:r>
+              <a:rPr lang="en-US" dirty="0"/>
+              <a:t>Project</a:t>
+            </a:r>
+            <a:endParaRPr dirty="0"/>
           </a:p>
         </p:txBody>
       </p:sp>
@@ -3383,8 +3394,14 @@
           <a:lstStyle/>
           <a:p>
             <a:r>
-              <a:t>File created on: 3/13/24 3:14:26 PM CDT</a:t>
-            </a:r>
+              <a:rPr lang="en-US" dirty="0"/>
+              <a:t>Applied </a:t>
+            </a:r>
+            <a:r>
+              <a:rPr lang="en-US"/>
+              <a:t>Business Analytics (Fall 2023)</a:t>
+            </a:r>
+            <a:endParaRPr dirty="0"/>
           </a:p>
         </p:txBody>
       </p:sp>
